--- a/TupiCompiler/TupiCompiler/TupiGuide.pptx
+++ b/TupiCompiler/TupiCompiler/TupiGuide.pptx
@@ -339,12 +339,17 @@
             </a:pPr>
             <a:r>
               <a:rPr sz="4400" u="none" strike="noStrike">
-                <a:latin typeface="Liberation Sans"/>
-                <a:cs typeface="Liberation Sans"/>
+                <a:latin typeface="Arial"/>
+                <a:ea typeface="Arial"/>
+                <a:cs typeface="Arial"/>
               </a:rPr>
               <a:t>Tupi Guide</a:t>
             </a:r>
-            <a:endParaRPr/>
+            <a:endParaRPr>
+              <a:latin typeface="Arial"/>
+              <a:ea typeface="Arial"/>
+              <a:cs typeface="Arial"/>
+            </a:endParaRPr>
           </a:p>
         </p:txBody>
       </p:sp>
@@ -380,12 +385,17 @@
             </a:pPr>
             <a:r>
               <a:rPr sz="3200" u="none" strike="noStrike">
-                <a:latin typeface="Liberation Sans"/>
-                <a:cs typeface="Liberation Sans"/>
+                <a:latin typeface="Arial"/>
+                <a:ea typeface="Arial"/>
+                <a:cs typeface="Arial"/>
               </a:rPr>
               <a:t>Tupi is a low-level programming language like any other language (apart from assembly and machine code). However, it is at the C level, it is compiled, and it works only on Windows, because it uses MASM, which is the Microsoft assembly, but in the future this may change</a:t>
             </a:r>
-            <a:endParaRPr/>
+            <a:endParaRPr>
+              <a:latin typeface="Arial"/>
+              <a:ea typeface="Arial"/>
+              <a:cs typeface="Arial"/>
+            </a:endParaRPr>
           </a:p>
         </p:txBody>
       </p:sp>
